--- a/Prezentace/5_Dalsi_vyuziti.pptx
+++ b/Prezentace/5_Dalsi_vyuziti.pptx
@@ -288,7 +288,7 @@
               <a:pPr>
                 <a:defRPr/>
               </a:pPr>
-              <a:t>05.06.2024</a:t>
+              <a:t>07.06.2024</a:t>
             </a:fld>
             <a:endParaRPr lang="cs-CZ"/>
           </a:p>
@@ -3484,7 +3484,7 @@
               <a:pPr>
                 <a:defRPr/>
               </a:pPr>
-              <a:t>05.06.2024</a:t>
+              <a:t>07.06.2024</a:t>
             </a:fld>
             <a:endParaRPr lang="cs-CZ"/>
           </a:p>
@@ -4622,6 +4622,22 @@
               <a:buFont typeface="Courier New" panose="02070309020205020404" pitchFamily="49" charset="0"/>
               <a:buChar char="o"/>
             </a:pPr>
+            <a:r>
+              <a:rPr lang="cs-CZ" sz="3200" b="0" dirty="0"/>
+              <a:t>Kniha: </a:t>
+            </a:r>
+            <a:r>
+              <a:rPr lang="cs-CZ" sz="3200" b="0" dirty="0">
+                <a:hlinkClick r:id="rId3"/>
+              </a:rPr>
+              <a:t>https://bookdown.org/yihui</a:t>
+            </a:r>
+            <a:r>
+              <a:rPr lang="cs-CZ" sz="3200" b="0">
+                <a:hlinkClick r:id="rId3"/>
+              </a:rPr>
+              <a:t>/blogdown</a:t>
+            </a:r>
             <a:endParaRPr lang="cs-CZ" sz="3200" b="0" dirty="0"/>
           </a:p>
           <a:p>
@@ -6621,6 +6637,26 @@
 </file>
 
 <file path=customXml/item1.xml><?xml version="1.0" encoding="utf-8"?>
+<?mso-contentType ?>
+<FormTemplates xmlns="http://schemas.microsoft.com/sharepoint/v3/contenttype/forms">
+  <Display>DocumentLibraryForm</Display>
+  <Edit>DocumentLibraryForm</Edit>
+  <New>DocumentLibraryForm</New>
+</FormTemplates>
+</file>
+
+<file path=customXml/item2.xml><?xml version="1.0" encoding="utf-8"?>
+<p:properties xmlns:p="http://schemas.microsoft.com/office/2006/metadata/properties" xmlns:xsi="http://www.w3.org/2001/XMLSchema-instance" xmlns:pc="http://schemas.microsoft.com/office/infopath/2007/PartnerControls">
+  <documentManagement>
+    <lcf76f155ced4ddcb4097134ff3c332f xmlns="b5e40aea-b4ae-4b94-9008-c1fed4a5c359">
+      <Terms xmlns="http://schemas.microsoft.com/office/infopath/2007/PartnerControls"/>
+    </lcf76f155ced4ddcb4097134ff3c332f>
+    <TaxCatchAll xmlns="c95f7331-2dea-4b91-a62c-a2ea58dcbe03" xsi:nil="true"/>
+  </documentManagement>
+</p:properties>
+</file>
+
+<file path=customXml/item3.xml><?xml version="1.0" encoding="utf-8"?>
 <ct:contentTypeSchema xmlns:ct="http://schemas.microsoft.com/office/2006/metadata/contentType" xmlns:ma="http://schemas.microsoft.com/office/2006/metadata/properties/metaAttributes" ct:_="" ma:_="" ma:contentTypeName="Dokument" ma:contentTypeID="0x010100483762EB5A18C04DBFA29C99AD83F26B" ma:contentTypeVersion="15" ma:contentTypeDescription="Vytvoří nový dokument" ma:contentTypeScope="" ma:versionID="d9ef6691753f8d1d5aac364a0a95b869">
   <xsd:schema xmlns:xsd="http://www.w3.org/2001/XMLSchema" xmlns:xs="http://www.w3.org/2001/XMLSchema" xmlns:p="http://schemas.microsoft.com/office/2006/metadata/properties" xmlns:ns2="b5e40aea-b4ae-4b94-9008-c1fed4a5c359" xmlns:ns3="c95f7331-2dea-4b91-a62c-a2ea58dcbe03" targetNamespace="http://schemas.microsoft.com/office/2006/metadata/properties" ma:root="true" ma:fieldsID="8ffb3d0fa66fdebc604d2e8eddcb4819" ns2:_="" ns3:_="">
     <xsd:import namespace="b5e40aea-b4ae-4b94-9008-c1fed4a5c359"/>
@@ -6855,27 +6891,26 @@
 </ct:contentTypeSchema>
 </file>
 
-<file path=customXml/item2.xml><?xml version="1.0" encoding="utf-8"?>
-<p:properties xmlns:p="http://schemas.microsoft.com/office/2006/metadata/properties" xmlns:xsi="http://www.w3.org/2001/XMLSchema-instance" xmlns:pc="http://schemas.microsoft.com/office/infopath/2007/PartnerControls">
-  <documentManagement>
-    <lcf76f155ced4ddcb4097134ff3c332f xmlns="b5e40aea-b4ae-4b94-9008-c1fed4a5c359">
-      <Terms xmlns="http://schemas.microsoft.com/office/infopath/2007/PartnerControls"/>
-    </lcf76f155ced4ddcb4097134ff3c332f>
-    <TaxCatchAll xmlns="c95f7331-2dea-4b91-a62c-a2ea58dcbe03" xsi:nil="true"/>
-  </documentManagement>
-</p:properties>
+<file path=customXml/itemProps1.xml><?xml version="1.0" encoding="utf-8"?>
+<ds:datastoreItem xmlns:ds="http://schemas.openxmlformats.org/officeDocument/2006/customXml" ds:itemID="{35AAFBE4-E0F2-46C8-9B9D-C83397D2F04E}">
+  <ds:schemaRefs>
+    <ds:schemaRef ds:uri="http://schemas.microsoft.com/sharepoint/v3/contenttype/forms"/>
+  </ds:schemaRefs>
+</ds:datastoreItem>
 </file>
 
-<file path=customXml/item3.xml><?xml version="1.0" encoding="utf-8"?>
-<?mso-contentType ?>
-<FormTemplates xmlns="http://schemas.microsoft.com/sharepoint/v3/contenttype/forms">
-  <Display>DocumentLibraryForm</Display>
-  <Edit>DocumentLibraryForm</Edit>
-  <New>DocumentLibraryForm</New>
-</FormTemplates>
+<file path=customXml/itemProps2.xml><?xml version="1.0" encoding="utf-8"?>
+<ds:datastoreItem xmlns:ds="http://schemas.openxmlformats.org/officeDocument/2006/customXml" ds:itemID="{E33785A2-D7CE-4CE1-98CE-0E3D5DDB8231}">
+  <ds:schemaRefs>
+    <ds:schemaRef ds:uri="http://schemas.microsoft.com/office/2006/metadata/properties"/>
+    <ds:schemaRef ds:uri="http://schemas.microsoft.com/office/infopath/2007/PartnerControls"/>
+    <ds:schemaRef ds:uri="b5e40aea-b4ae-4b94-9008-c1fed4a5c359"/>
+    <ds:schemaRef ds:uri="c95f7331-2dea-4b91-a62c-a2ea58dcbe03"/>
+  </ds:schemaRefs>
+</ds:datastoreItem>
 </file>
 
-<file path=customXml/itemProps1.xml><?xml version="1.0" encoding="utf-8"?>
+<file path=customXml/itemProps3.xml><?xml version="1.0" encoding="utf-8"?>
 <ds:datastoreItem xmlns:ds="http://schemas.openxmlformats.org/officeDocument/2006/customXml" ds:itemID="{9FF36B38-92E1-4434-B928-0B6896AEBC4E}">
   <ds:schemaRefs>
     <ds:schemaRef ds:uri="http://schemas.microsoft.com/office/2006/metadata/contentType"/>
@@ -6892,23 +6927,4 @@
     <ds:schemaRef ds:uri="http://schemas.microsoft.com/internal/obd"/>
   </ds:schemaRefs>
 </ds:datastoreItem>
-</file>
-
-<file path=customXml/itemProps2.xml><?xml version="1.0" encoding="utf-8"?>
-<ds:datastoreItem xmlns:ds="http://schemas.openxmlformats.org/officeDocument/2006/customXml" ds:itemID="{E33785A2-D7CE-4CE1-98CE-0E3D5DDB8231}">
-  <ds:schemaRefs>
-    <ds:schemaRef ds:uri="http://schemas.microsoft.com/office/2006/metadata/properties"/>
-    <ds:schemaRef ds:uri="http://schemas.microsoft.com/office/infopath/2007/PartnerControls"/>
-    <ds:schemaRef ds:uri="b5e40aea-b4ae-4b94-9008-c1fed4a5c359"/>
-    <ds:schemaRef ds:uri="c95f7331-2dea-4b91-a62c-a2ea58dcbe03"/>
-  </ds:schemaRefs>
-</ds:datastoreItem>
-</file>
-
-<file path=customXml/itemProps3.xml><?xml version="1.0" encoding="utf-8"?>
-<ds:datastoreItem xmlns:ds="http://schemas.openxmlformats.org/officeDocument/2006/customXml" ds:itemID="{35AAFBE4-E0F2-46C8-9B9D-C83397D2F04E}">
-  <ds:schemaRefs>
-    <ds:schemaRef ds:uri="http://schemas.microsoft.com/sharepoint/v3/contenttype/forms"/>
-  </ds:schemaRefs>
-</ds:datastoreItem>
 </file>